--- a/MSBI.E02-SQL/MSBI.Dev.S21E02.pptx
+++ b/MSBI.E02-SQL/MSBI.Dev.S21E02.pptx
@@ -7,10 +7,10 @@
     <p:sldMasterId id="2147483785" r:id="rId6"/>
   </p:sldMasterIdLst>
   <p:notesMasterIdLst>
-    <p:notesMasterId r:id="rId53"/>
+    <p:notesMasterId r:id="rId54"/>
   </p:notesMasterIdLst>
   <p:handoutMasterIdLst>
-    <p:handoutMasterId r:id="rId54"/>
+    <p:handoutMasterId r:id="rId55"/>
   </p:handoutMasterIdLst>
   <p:sldIdLst>
     <p:sldId id="276" r:id="rId7"/>
@@ -55,10 +55,11 @@
     <p:sldId id="589" r:id="rId46"/>
     <p:sldId id="590" r:id="rId47"/>
     <p:sldId id="506" r:id="rId48"/>
-    <p:sldId id="591" r:id="rId49"/>
-    <p:sldId id="592" r:id="rId50"/>
-    <p:sldId id="593" r:id="rId51"/>
-    <p:sldId id="594" r:id="rId52"/>
+    <p:sldId id="595" r:id="rId49"/>
+    <p:sldId id="596" r:id="rId50"/>
+    <p:sldId id="591" r:id="rId51"/>
+    <p:sldId id="592" r:id="rId52"/>
+    <p:sldId id="593" r:id="rId53"/>
   </p:sldIdLst>
   <p:sldSz cx="9144000" cy="5143500" type="screen16x9"/>
   <p:notesSz cx="6858000" cy="9144000"/>
@@ -433,7 +434,7 @@
           <a:p>
             <a:fld id="{7F5E9BF7-95E4-A242-BA1D-05FDCF603BE6}" type="datetime1">
               <a:rPr lang="en-US" smtClean="0"/>
-              <a:t>12/10/2020</a:t>
+              <a:t>12/15/2020</a:t>
             </a:fld>
             <a:endParaRPr lang="en-US"/>
           </a:p>
@@ -599,7 +600,7 @@
           <a:p>
             <a:fld id="{165DBCB1-0306-AD41-9452-11E7C08D5C04}" type="datetime1">
               <a:rPr lang="en-US" smtClean="0"/>
-              <a:t>12/10/2020</a:t>
+              <a:t>12/15/2020</a:t>
             </a:fld>
             <a:endParaRPr lang="en-US"/>
           </a:p>
@@ -3856,7 +3857,7 @@
           <a:p>
             <a:fld id="{7AE90029-A909-AD4E-9775-A0D64990AD22}" type="slidenum">
               <a:rPr lang="en-US" smtClean="0"/>
-              <a:t>43</a:t>
+              <a:t>44</a:t>
             </a:fld>
             <a:endParaRPr lang="en-US"/>
           </a:p>
@@ -3865,7 +3866,7 @@
     </p:spTree>
     <p:extLst>
       <p:ext uri="{BB962C8B-B14F-4D97-AF65-F5344CB8AC3E}">
-        <p14:creationId xmlns:p14="http://schemas.microsoft.com/office/powerpoint/2010/main" val="2440678101"/>
+        <p14:creationId xmlns:p14="http://schemas.microsoft.com/office/powerpoint/2010/main" val="3326058732"/>
       </p:ext>
     </p:extLst>
   </p:cSld>
@@ -3962,7 +3963,7 @@
           <a:p>
             <a:fld id="{7AE90029-A909-AD4E-9775-A0D64990AD22}" type="slidenum">
               <a:rPr lang="en-US" smtClean="0"/>
-              <a:t>44</a:t>
+              <a:t>45</a:t>
             </a:fld>
             <a:endParaRPr lang="en-US"/>
           </a:p>
@@ -3971,7 +3972,7 @@
     </p:spTree>
     <p:extLst>
       <p:ext uri="{BB962C8B-B14F-4D97-AF65-F5344CB8AC3E}">
-        <p14:creationId xmlns:p14="http://schemas.microsoft.com/office/powerpoint/2010/main" val="3653470994"/>
+        <p14:creationId xmlns:p14="http://schemas.microsoft.com/office/powerpoint/2010/main" val="2440678101"/>
       </p:ext>
     </p:extLst>
   </p:cSld>
@@ -4077,7 +4078,7 @@
     </p:spTree>
     <p:extLst>
       <p:ext uri="{BB962C8B-B14F-4D97-AF65-F5344CB8AC3E}">
-        <p14:creationId xmlns:p14="http://schemas.microsoft.com/office/powerpoint/2010/main" val="3324489981"/>
+        <p14:creationId xmlns:p14="http://schemas.microsoft.com/office/powerpoint/2010/main" val="3653470994"/>
       </p:ext>
     </p:extLst>
   </p:cSld>
@@ -14884,7 +14885,7 @@
           </a:ln>
           <a:extLst>
             <a:ext uri="{C572A759-6A51-4108-AA02-DFA0A04FC94B}">
-              <ma14:wrappingTextBoxFlag xmlns="" xmlns:ma14="http://schemas.microsoft.com/office/mac/drawingml/2011/main" val="1"/>
+              <ma14:wrappingTextBoxFlag xmlns:ma14="http://schemas.microsoft.com/office/mac/drawingml/2011/main" xmlns="" val="1"/>
             </a:ext>
           </a:extLst>
         </p:spPr>
@@ -29586,7 +29587,7 @@
                 <a:latin typeface="Trebuchet MS"/>
                 <a:cs typeface="Trebuchet MS"/>
               </a:rPr>
-              <a:t>Database evolution</a:t>
+              <a:t>About The Course</a:t>
             </a:r>
           </a:p>
         </p:txBody>
@@ -29704,15 +29705,8 @@
                 <a:latin typeface="Trebuchet MS"/>
                 <a:cs typeface="Trebuchet MS"/>
               </a:rPr>
-              <a:t>MS SQL Server overview</a:t>
-            </a:r>
-            <a:endParaRPr lang="ru-RU" sz="1100" b="1" dirty="0">
-              <a:solidFill>
-                <a:srgbClr val="444444"/>
-              </a:solidFill>
-              <a:latin typeface="Trebuchet MS"/>
-              <a:cs typeface="Trebuchet MS"/>
-            </a:endParaRPr>
+              <a:t>Database evolution</a:t>
+            </a:r>
           </a:p>
         </p:txBody>
       </p:sp>
@@ -29738,10 +29732,16 @@
           <a:lstStyle/>
           <a:p>
             <a:r>
-              <a:rPr lang="en-US" sz="1100" b="1" dirty="0"/>
-              <a:t>Course workflow and resources</a:t>
-            </a:r>
-            <a:endParaRPr lang="en-US" sz="1100" b="1" dirty="0">
+              <a:rPr lang="en-US" sz="1100" b="1" dirty="0">
+                <a:solidFill>
+                  <a:srgbClr val="444444"/>
+                </a:solidFill>
+                <a:latin typeface="Trebuchet MS"/>
+                <a:cs typeface="Trebuchet MS"/>
+              </a:rPr>
+              <a:t>MS SQL Server overview</a:t>
+            </a:r>
+            <a:endParaRPr lang="ru-RU" sz="1100" b="1" dirty="0">
               <a:solidFill>
                 <a:srgbClr val="444444"/>
               </a:solidFill>
@@ -29773,15 +29773,16 @@
           <a:lstStyle/>
           <a:p>
             <a:r>
-              <a:rPr lang="en-US" sz="1100" b="1" dirty="0">
-                <a:solidFill>
-                  <a:srgbClr val="444444"/>
-                </a:solidFill>
-                <a:latin typeface="Trebuchet MS"/>
-                <a:cs typeface="Trebuchet MS"/>
-              </a:rPr>
-              <a:t>POC of a database</a:t>
-            </a:r>
+              <a:rPr lang="en-US" sz="1100" b="1" dirty="0"/>
+              <a:t>resources</a:t>
+            </a:r>
+            <a:endParaRPr lang="en-US" sz="1100" b="1" dirty="0">
+              <a:solidFill>
+                <a:srgbClr val="444444"/>
+              </a:solidFill>
+              <a:latin typeface="Trebuchet MS"/>
+              <a:cs typeface="Trebuchet MS"/>
+            </a:endParaRPr>
           </a:p>
         </p:txBody>
       </p:sp>
@@ -34006,7 +34007,7 @@
             </a:pPr>
             <a:r>
               <a:rPr lang="en-US" sz="1100" b="1" dirty="0"/>
-              <a:t>Working with Git, Jira, Draw.io</a:t>
+              <a:t>Database Design</a:t>
             </a:r>
           </a:p>
         </p:txBody>
@@ -34433,7 +34434,7 @@
             </a:pPr>
             <a:r>
               <a:rPr lang="en-US" sz="1100" b="1" dirty="0"/>
-              <a:t>Library OLTP Database (Homework assignment) </a:t>
+              <a:t>Working with Git, Jira, Draw.io</a:t>
             </a:r>
           </a:p>
         </p:txBody>
@@ -35677,7 +35678,7 @@
               <a:rPr lang="en-US" sz="1400" dirty="0">
                 <a:latin typeface="+mn-lt"/>
               </a:rPr>
-              <a:t>False,</a:t>
+              <a:t>False</a:t>
             </a:r>
           </a:p>
           <a:p>
@@ -35706,247 +35707,6 @@
               </a:solidFill>
               <a:latin typeface="Consolas" panose="020B0609020204030204" pitchFamily="49" charset="0"/>
             </a:endParaRPr>
-          </a:p>
-          <a:p>
-            <a:pPr marL="0" indent="0">
-              <a:buNone/>
-            </a:pPr>
-            <a:r>
-              <a:rPr lang="en-US" sz="1400" dirty="0">
-                <a:solidFill>
-                  <a:srgbClr val="0000FF"/>
-                </a:solidFill>
-                <a:latin typeface="Consolas" panose="020B0609020204030204" pitchFamily="49" charset="0"/>
-              </a:rPr>
-              <a:t>SELECT</a:t>
-            </a:r>
-            <a:r>
-              <a:rPr lang="en-US" sz="1400" dirty="0">
-                <a:solidFill>
-                  <a:prstClr val="black"/>
-                </a:solidFill>
-                <a:latin typeface="Consolas" panose="020B0609020204030204" pitchFamily="49" charset="0"/>
-              </a:rPr>
-              <a:t> [</a:t>
-            </a:r>
-            <a:r>
-              <a:rPr lang="en-US" sz="1400" dirty="0" err="1">
-                <a:solidFill>
-                  <a:prstClr val="black"/>
-                </a:solidFill>
-                <a:latin typeface="Consolas" panose="020B0609020204030204" pitchFamily="49" charset="0"/>
-              </a:rPr>
-              <a:t>empid</a:t>
-            </a:r>
-            <a:r>
-              <a:rPr lang="en-US" sz="1400" dirty="0">
-                <a:solidFill>
-                  <a:prstClr val="black"/>
-                </a:solidFill>
-                <a:latin typeface="Consolas" panose="020B0609020204030204" pitchFamily="49" charset="0"/>
-              </a:rPr>
-              <a:t>]</a:t>
-            </a:r>
-          </a:p>
-          <a:p>
-            <a:pPr marL="0" indent="0">
-              <a:buNone/>
-            </a:pPr>
-            <a:r>
-              <a:rPr lang="en-US" sz="1400" dirty="0">
-                <a:solidFill>
-                  <a:prstClr val="black"/>
-                </a:solidFill>
-                <a:latin typeface="Consolas" panose="020B0609020204030204" pitchFamily="49" charset="0"/>
-              </a:rPr>
-              <a:t>      </a:t>
-            </a:r>
-            <a:r>
-              <a:rPr lang="en-US" sz="1400" dirty="0">
-                <a:solidFill>
-                  <a:srgbClr val="808080"/>
-                </a:solidFill>
-                <a:latin typeface="Consolas" panose="020B0609020204030204" pitchFamily="49" charset="0"/>
-              </a:rPr>
-              <a:t>,</a:t>
-            </a:r>
-            <a:r>
-              <a:rPr lang="en-US" sz="1400" dirty="0">
-                <a:solidFill>
-                  <a:prstClr val="black"/>
-                </a:solidFill>
-                <a:latin typeface="Consolas" panose="020B0609020204030204" pitchFamily="49" charset="0"/>
-              </a:rPr>
-              <a:t>[</a:t>
-            </a:r>
-            <a:r>
-              <a:rPr lang="en-US" sz="1400" dirty="0" err="1">
-                <a:solidFill>
-                  <a:prstClr val="black"/>
-                </a:solidFill>
-                <a:latin typeface="Consolas" panose="020B0609020204030204" pitchFamily="49" charset="0"/>
-              </a:rPr>
-              <a:t>lastname</a:t>
-            </a:r>
-            <a:r>
-              <a:rPr lang="en-US" sz="1400" dirty="0">
-                <a:solidFill>
-                  <a:prstClr val="black"/>
-                </a:solidFill>
-                <a:latin typeface="Consolas" panose="020B0609020204030204" pitchFamily="49" charset="0"/>
-              </a:rPr>
-              <a:t>]</a:t>
-            </a:r>
-          </a:p>
-          <a:p>
-            <a:pPr marL="0" indent="0">
-              <a:buNone/>
-            </a:pPr>
-            <a:r>
-              <a:rPr lang="en-US" sz="1400" dirty="0">
-                <a:solidFill>
-                  <a:prstClr val="black"/>
-                </a:solidFill>
-                <a:latin typeface="Consolas" panose="020B0609020204030204" pitchFamily="49" charset="0"/>
-              </a:rPr>
-              <a:t>      </a:t>
-            </a:r>
-            <a:r>
-              <a:rPr lang="en-US" sz="1400" dirty="0">
-                <a:solidFill>
-                  <a:srgbClr val="808080"/>
-                </a:solidFill>
-                <a:latin typeface="Consolas" panose="020B0609020204030204" pitchFamily="49" charset="0"/>
-              </a:rPr>
-              <a:t>,</a:t>
-            </a:r>
-            <a:r>
-              <a:rPr lang="en-US" sz="1400" dirty="0">
-                <a:solidFill>
-                  <a:prstClr val="black"/>
-                </a:solidFill>
-                <a:latin typeface="Consolas" panose="020B0609020204030204" pitchFamily="49" charset="0"/>
-              </a:rPr>
-              <a:t>[region]</a:t>
-            </a:r>
-          </a:p>
-          <a:p>
-            <a:pPr marL="0" indent="0">
-              <a:buNone/>
-            </a:pPr>
-            <a:r>
-              <a:rPr lang="en-US" sz="1400" dirty="0">
-                <a:solidFill>
-                  <a:prstClr val="black"/>
-                </a:solidFill>
-                <a:latin typeface="Consolas" panose="020B0609020204030204" pitchFamily="49" charset="0"/>
-              </a:rPr>
-              <a:t>  </a:t>
-            </a:r>
-            <a:r>
-              <a:rPr lang="en-US" sz="1400" dirty="0">
-                <a:solidFill>
-                  <a:srgbClr val="0000FF"/>
-                </a:solidFill>
-                <a:latin typeface="Consolas" panose="020B0609020204030204" pitchFamily="49" charset="0"/>
-              </a:rPr>
-              <a:t>FROM</a:t>
-            </a:r>
-            <a:r>
-              <a:rPr lang="en-US" sz="1400" dirty="0">
-                <a:solidFill>
-                  <a:prstClr val="black"/>
-                </a:solidFill>
-                <a:latin typeface="Consolas" panose="020B0609020204030204" pitchFamily="49" charset="0"/>
-              </a:rPr>
-              <a:t> [TSQL2012]</a:t>
-            </a:r>
-            <a:r>
-              <a:rPr lang="en-US" sz="1400" dirty="0">
-                <a:solidFill>
-                  <a:srgbClr val="808080"/>
-                </a:solidFill>
-                <a:latin typeface="Consolas" panose="020B0609020204030204" pitchFamily="49" charset="0"/>
-              </a:rPr>
-              <a:t>.</a:t>
-            </a:r>
-            <a:r>
-              <a:rPr lang="en-US" sz="1400" dirty="0">
-                <a:solidFill>
-                  <a:prstClr val="black"/>
-                </a:solidFill>
-                <a:latin typeface="Consolas" panose="020B0609020204030204" pitchFamily="49" charset="0"/>
-              </a:rPr>
-              <a:t>[HR]</a:t>
-            </a:r>
-            <a:r>
-              <a:rPr lang="en-US" sz="1400" dirty="0">
-                <a:solidFill>
-                  <a:srgbClr val="808080"/>
-                </a:solidFill>
-                <a:latin typeface="Consolas" panose="020B0609020204030204" pitchFamily="49" charset="0"/>
-              </a:rPr>
-              <a:t>.</a:t>
-            </a:r>
-            <a:r>
-              <a:rPr lang="en-US" sz="1400" dirty="0">
-                <a:solidFill>
-                  <a:prstClr val="black"/>
-                </a:solidFill>
-                <a:latin typeface="Consolas" panose="020B0609020204030204" pitchFamily="49" charset="0"/>
-              </a:rPr>
-              <a:t>[Employees]</a:t>
-            </a:r>
-          </a:p>
-          <a:p>
-            <a:pPr marL="0" indent="0">
-              <a:buNone/>
-            </a:pPr>
-            <a:r>
-              <a:rPr lang="en-US" sz="1400" dirty="0">
-                <a:solidFill>
-                  <a:prstClr val="black"/>
-                </a:solidFill>
-                <a:latin typeface="Consolas" panose="020B0609020204030204" pitchFamily="49" charset="0"/>
-              </a:rPr>
-              <a:t>  </a:t>
-            </a:r>
-            <a:r>
-              <a:rPr lang="en-US" sz="1400" dirty="0">
-                <a:solidFill>
-                  <a:srgbClr val="0000FF"/>
-                </a:solidFill>
-                <a:latin typeface="Consolas" panose="020B0609020204030204" pitchFamily="49" charset="0"/>
-              </a:rPr>
-              <a:t>WHERE</a:t>
-            </a:r>
-            <a:r>
-              <a:rPr lang="en-US" sz="1400" dirty="0">
-                <a:solidFill>
-                  <a:prstClr val="black"/>
-                </a:solidFill>
-                <a:latin typeface="Consolas" panose="020B0609020204030204" pitchFamily="49" charset="0"/>
-              </a:rPr>
-              <a:t> [region]</a:t>
-            </a:r>
-            <a:r>
-              <a:rPr lang="en-US" sz="1400" dirty="0">
-                <a:solidFill>
-                  <a:srgbClr val="808080"/>
-                </a:solidFill>
-                <a:latin typeface="Consolas" panose="020B0609020204030204" pitchFamily="49" charset="0"/>
-              </a:rPr>
-              <a:t>=</a:t>
-            </a:r>
-            <a:r>
-              <a:rPr lang="en-US" sz="1400" dirty="0">
-                <a:solidFill>
-                  <a:srgbClr val="FF0000"/>
-                </a:solidFill>
-                <a:latin typeface="Consolas" panose="020B0609020204030204" pitchFamily="49" charset="0"/>
-              </a:rPr>
-              <a:t>'WA'</a:t>
-            </a:r>
           </a:p>
           <a:p>
             <a:endParaRPr lang="en-US" dirty="0"/>
@@ -39763,7 +39523,7 @@
           <a:p>
             <a:r>
               <a:rPr lang="en-US" sz="1600" b="1" dirty="0"/>
-              <a:t>Working with Git, Jira, Draw.io</a:t>
+              <a:t>Database Design</a:t>
             </a:r>
             <a:endParaRPr lang="en-US" dirty="0"/>
           </a:p>
@@ -39822,7 +39582,7 @@
           <a:p>
             <a:r>
               <a:rPr lang="en-US" dirty="0"/>
-              <a:t>Working with GIT</a:t>
+              <a:t>Database Design</a:t>
             </a:r>
           </a:p>
         </p:txBody>
@@ -39889,10 +39649,10 @@
       </p:grpSpPr>
       <p:sp>
         <p:nvSpPr>
-          <p:cNvPr id="4" name="Title 3">
+          <p:cNvPr id="17" name="Title 16">
             <a:extLst>
               <a:ext uri="{FF2B5EF4-FFF2-40B4-BE49-F238E27FC236}">
-                <a16:creationId xmlns:a16="http://schemas.microsoft.com/office/drawing/2014/main" id="{CF2879F0-AECB-46C4-8B85-C0D15F1592BB}"/>
+                <a16:creationId xmlns:a16="http://schemas.microsoft.com/office/drawing/2014/main" id="{0A875B6F-E984-4126-8E18-9E249CBA854D}"/>
               </a:ext>
             </a:extLst>
           </p:cNvPr>
@@ -39909,38 +39669,9 @@
           <a:lstStyle/>
           <a:p>
             <a:r>
-              <a:rPr lang="en-US" dirty="0"/>
-              <a:t>Working with Jira</a:t>
-            </a:r>
-          </a:p>
-        </p:txBody>
-      </p:sp>
-      <p:sp>
-        <p:nvSpPr>
-          <p:cNvPr id="2" name="Slide Number Placeholder 1">
-            <a:extLst>
-              <a:ext uri="{FF2B5EF4-FFF2-40B4-BE49-F238E27FC236}">
-                <a16:creationId xmlns:a16="http://schemas.microsoft.com/office/drawing/2014/main" id="{4C026B3A-15FC-497E-B838-745AAF300823}"/>
-              </a:ext>
-            </a:extLst>
-          </p:cNvPr>
-          <p:cNvSpPr>
-            <a:spLocks noGrp="1"/>
-          </p:cNvSpPr>
-          <p:nvPr>
-            <p:ph type="sldNum" sz="quarter" idx="4"/>
-          </p:nvPr>
-        </p:nvSpPr>
-        <p:spPr/>
-        <p:txBody>
-          <a:bodyPr/>
-          <a:lstStyle/>
-          <a:p>
-            <a:fld id="{3A707DD9-E92B-45E8-BE0A-E6B2EDF345EB}" type="slidenum">
-              <a:rPr lang="en-US" smtClean="0"/>
-              <a:pPr/>
-              <a:t>43</a:t>
-            </a:fld>
+              <a:rPr lang="en-US" sz="1600" b="1" dirty="0"/>
+              <a:t>Working with Git, Jira, Draw.io</a:t>
+            </a:r>
             <a:endParaRPr lang="en-US" dirty="0"/>
           </a:p>
         </p:txBody>
@@ -39948,7 +39679,7 @@
     </p:spTree>
     <p:extLst>
       <p:ext uri="{BB962C8B-B14F-4D97-AF65-F5344CB8AC3E}">
-        <p14:creationId xmlns:p14="http://schemas.microsoft.com/office/powerpoint/2010/main" val="260090832"/>
+        <p14:creationId xmlns:p14="http://schemas.microsoft.com/office/powerpoint/2010/main" val="199891297"/>
       </p:ext>
     </p:extLst>
   </p:cSld>
@@ -39998,7 +39729,7 @@
           <a:p>
             <a:r>
               <a:rPr lang="en-US" dirty="0"/>
-              <a:t>Working with Draw.io</a:t>
+              <a:t>Working with GIT</a:t>
             </a:r>
           </a:p>
         </p:txBody>
@@ -40036,7 +39767,7 @@
     </p:spTree>
     <p:extLst>
       <p:ext uri="{BB962C8B-B14F-4D97-AF65-F5344CB8AC3E}">
-        <p14:creationId xmlns:p14="http://schemas.microsoft.com/office/powerpoint/2010/main" val="4197138927"/>
+        <p14:creationId xmlns:p14="http://schemas.microsoft.com/office/powerpoint/2010/main" val="227895672"/>
       </p:ext>
     </p:extLst>
   </p:cSld>
@@ -40065,10 +39796,10 @@
       </p:grpSpPr>
       <p:sp>
         <p:nvSpPr>
-          <p:cNvPr id="17" name="Title 16">
+          <p:cNvPr id="4" name="Title 3">
             <a:extLst>
               <a:ext uri="{FF2B5EF4-FFF2-40B4-BE49-F238E27FC236}">
-                <a16:creationId xmlns:a16="http://schemas.microsoft.com/office/drawing/2014/main" id="{0A875B6F-E984-4126-8E18-9E249CBA854D}"/>
+                <a16:creationId xmlns:a16="http://schemas.microsoft.com/office/drawing/2014/main" id="{CF2879F0-AECB-46C4-8B85-C0D15F1592BB}"/>
               </a:ext>
             </a:extLst>
           </p:cNvPr>
@@ -40086,15 +39817,45 @@
           <a:p>
             <a:r>
               <a:rPr lang="en-US" dirty="0"/>
-              <a:t>Homework Assignment</a:t>
-            </a:r>
+              <a:t>Working with Jira</a:t>
+            </a:r>
+          </a:p>
+        </p:txBody>
+      </p:sp>
+      <p:sp>
+        <p:nvSpPr>
+          <p:cNvPr id="2" name="Slide Number Placeholder 1">
+            <a:extLst>
+              <a:ext uri="{FF2B5EF4-FFF2-40B4-BE49-F238E27FC236}">
+                <a16:creationId xmlns:a16="http://schemas.microsoft.com/office/drawing/2014/main" id="{4C026B3A-15FC-497E-B838-745AAF300823}"/>
+              </a:ext>
+            </a:extLst>
+          </p:cNvPr>
+          <p:cNvSpPr>
+            <a:spLocks noGrp="1"/>
+          </p:cNvSpPr>
+          <p:nvPr>
+            <p:ph type="sldNum" sz="quarter" idx="4"/>
+          </p:nvPr>
+        </p:nvSpPr>
+        <p:spPr/>
+        <p:txBody>
+          <a:bodyPr/>
+          <a:lstStyle/>
+          <a:p>
+            <a:fld id="{3A707DD9-E92B-45E8-BE0A-E6B2EDF345EB}" type="slidenum">
+              <a:rPr lang="en-US" smtClean="0"/>
+              <a:pPr/>
+              <a:t>45</a:t>
+            </a:fld>
+            <a:endParaRPr lang="en-US" dirty="0"/>
           </a:p>
         </p:txBody>
       </p:sp>
     </p:spTree>
     <p:extLst>
       <p:ext uri="{BB962C8B-B14F-4D97-AF65-F5344CB8AC3E}">
-        <p14:creationId xmlns:p14="http://schemas.microsoft.com/office/powerpoint/2010/main" val="3234995565"/>
+        <p14:creationId xmlns:p14="http://schemas.microsoft.com/office/powerpoint/2010/main" val="260090832"/>
       </p:ext>
     </p:extLst>
   </p:cSld>
@@ -40144,7 +39905,7 @@
           <a:p>
             <a:r>
               <a:rPr lang="en-US" dirty="0"/>
-              <a:t>Homework Assignment</a:t>
+              <a:t>Working with Draw.io</a:t>
             </a:r>
           </a:p>
         </p:txBody>
@@ -40182,7 +39943,65 @@
     </p:spTree>
     <p:extLst>
       <p:ext uri="{BB962C8B-B14F-4D97-AF65-F5344CB8AC3E}">
-        <p14:creationId xmlns:p14="http://schemas.microsoft.com/office/powerpoint/2010/main" val="3706973568"/>
+        <p14:creationId xmlns:p14="http://schemas.microsoft.com/office/powerpoint/2010/main" val="4197138927"/>
+      </p:ext>
+    </p:extLst>
+  </p:cSld>
+  <p:clrMapOvr>
+    <a:masterClrMapping/>
+  </p:clrMapOvr>
+</p:sld>
+</file>
+
+<file path=ppt/slides/slide47.xml><?xml version="1.0" encoding="utf-8"?>
+<p:sld xmlns:a="http://schemas.openxmlformats.org/drawingml/2006/main" xmlns:r="http://schemas.openxmlformats.org/officeDocument/2006/relationships" xmlns:p="http://schemas.openxmlformats.org/presentationml/2006/main">
+  <p:cSld>
+    <p:spTree>
+      <p:nvGrpSpPr>
+        <p:cNvPr id="1" name=""/>
+        <p:cNvGrpSpPr/>
+        <p:nvPr/>
+      </p:nvGrpSpPr>
+      <p:grpSpPr>
+        <a:xfrm>
+          <a:off x="0" y="0"/>
+          <a:ext cx="0" cy="0"/>
+          <a:chOff x="0" y="0"/>
+          <a:chExt cx="0" cy="0"/>
+        </a:xfrm>
+      </p:grpSpPr>
+      <p:sp>
+        <p:nvSpPr>
+          <p:cNvPr id="17" name="Title 16">
+            <a:extLst>
+              <a:ext uri="{FF2B5EF4-FFF2-40B4-BE49-F238E27FC236}">
+                <a16:creationId xmlns:a16="http://schemas.microsoft.com/office/drawing/2014/main" id="{0A875B6F-E984-4126-8E18-9E249CBA854D}"/>
+              </a:ext>
+            </a:extLst>
+          </p:cNvPr>
+          <p:cNvSpPr>
+            <a:spLocks noGrp="1"/>
+          </p:cNvSpPr>
+          <p:nvPr>
+            <p:ph type="title"/>
+          </p:nvPr>
+        </p:nvSpPr>
+        <p:spPr/>
+        <p:txBody>
+          <a:bodyPr/>
+          <a:lstStyle/>
+          <a:p>
+            <a:r>
+              <a:rPr lang="en-US" dirty="0"/>
+              <a:t>Homework Assignment</a:t>
+            </a:r>
+          </a:p>
+        </p:txBody>
+      </p:sp>
+    </p:spTree>
+    <p:extLst>
+      <p:ext uri="{BB962C8B-B14F-4D97-AF65-F5344CB8AC3E}">
+        <p14:creationId xmlns:p14="http://schemas.microsoft.com/office/powerpoint/2010/main" val="3234995565"/>
       </p:ext>
     </p:extLst>
   </p:cSld>
@@ -42742,6 +42561,124 @@
 </file>
 
 <file path=customXml/item1.xml><?xml version="1.0" encoding="utf-8"?>
+<p:properties xmlns:p="http://schemas.microsoft.com/office/2006/metadata/properties" xmlns:xsi="http://www.w3.org/2001/XMLSchema-instance" xmlns:pc="http://schemas.microsoft.com/office/infopath/2007/PartnerControls">
+  <documentManagement>
+    <SharedWithUsers xmlns="c8fb4810-c3cf-44db-bdf0-77d94482a97a">
+      <UserInfo>
+        <DisplayName>Tatiana Kolentsova</DisplayName>
+        <AccountId>31</AccountId>
+        <AccountType/>
+      </UserInfo>
+      <UserInfo>
+        <DisplayName>Nina Skazobova</DisplayName>
+        <AccountId>32</AccountId>
+        <AccountType/>
+      </UserInfo>
+      <UserInfo>
+        <DisplayName>Mikhail Manyagin</DisplayName>
+        <AccountId>33</AccountId>
+        <AccountType/>
+      </UserInfo>
+      <UserInfo>
+        <DisplayName>Anton Belousov</DisplayName>
+        <AccountId>17</AccountId>
+        <AccountType/>
+      </UserInfo>
+      <UserInfo>
+        <DisplayName>Vladimir Mitiurin</DisplayName>
+        <AccountId>14</AccountId>
+        <AccountType/>
+      </UserInfo>
+      <UserInfo>
+        <DisplayName>Andrey Potapov</DisplayName>
+        <AccountId>6</AccountId>
+        <AccountType/>
+      </UserInfo>
+      <UserInfo>
+        <DisplayName>Elisey Astakhov</DisplayName>
+        <AccountId>12</AccountId>
+        <AccountType/>
+      </UserInfo>
+      <UserInfo>
+        <DisplayName>Aleksey Gretsov</DisplayName>
+        <AccountId>15</AccountId>
+        <AccountType/>
+      </UserInfo>
+      <UserInfo>
+        <DisplayName>Nikolai Golyshkin</DisplayName>
+        <AccountId>13</AccountId>
+        <AccountType/>
+      </UserInfo>
+      <UserInfo>
+        <DisplayName>Sergei Boikov</DisplayName>
+        <AccountId>26</AccountId>
+        <AccountType/>
+      </UserInfo>
+      <UserInfo>
+        <DisplayName>Marina Portenko</DisplayName>
+        <AccountId>21</AccountId>
+        <AccountType/>
+      </UserInfo>
+      <UserInfo>
+        <DisplayName>Viktor Isaikin</DisplayName>
+        <AccountId>28</AccountId>
+        <AccountType/>
+      </UserInfo>
+      <UserInfo>
+        <DisplayName>Gaiane Aleksanian</DisplayName>
+        <AccountId>16</AccountId>
+        <AccountType/>
+      </UserInfo>
+      <UserInfo>
+        <DisplayName>Igor Ilin</DisplayName>
+        <AccountId>24</AccountId>
+        <AccountType/>
+      </UserInfo>
+      <UserInfo>
+        <DisplayName>Nikita Ulitin</DisplayName>
+        <AccountId>18</AccountId>
+        <AccountType/>
+      </UserInfo>
+      <UserInfo>
+        <DisplayName>Denis Suvolokin</DisplayName>
+        <AccountId>19</AccountId>
+        <AccountType/>
+      </UserInfo>
+      <UserInfo>
+        <DisplayName>Bogdan Gavrikov</DisplayName>
+        <AccountId>22</AccountId>
+        <AccountType/>
+      </UserInfo>
+      <UserInfo>
+        <DisplayName>Georgii Lobanov</DisplayName>
+        <AccountId>23</AccountId>
+        <AccountType/>
+      </UserInfo>
+      <UserInfo>
+        <DisplayName>Anna Sedina</DisplayName>
+        <AccountId>20</AccountId>
+        <AccountType/>
+      </UserInfo>
+      <UserInfo>
+        <DisplayName>Pavel Andreev</DisplayName>
+        <AccountId>25</AccountId>
+        <AccountType/>
+      </UserInfo>
+    </SharedWithUsers>
+  </documentManagement>
+</p:properties>
+</file>
+
+<file path=customXml/item2.xml><?xml version="1.0" encoding="utf-8"?>
+<?mso-contentType ?>
+<FormTemplates xmlns="http://schemas.microsoft.com/sharepoint/v3/contenttype/forms">
+  <Display>DocumentLibraryForm</Display>
+  <Edit>DocumentLibraryForm</Edit>
+  <New>DocumentLibraryForm</New>
+</FormTemplates>
+</file>
+
+<file path=customXml/item3.xml><?xml version="1.0" encoding="utf-8"?>
 <ct:contentTypeSchema xmlns:ct="http://schemas.microsoft.com/office/2006/metadata/contentType" xmlns:ma="http://schemas.microsoft.com/office/2006/metadata/properties/metaAttributes" ct:_="" ma:_="" ma:contentTypeName="Document" ma:contentTypeID="0x0101009B22848A6E75B0409A42E310CF3F8F4E" ma:contentTypeVersion="4" ma:contentTypeDescription="Create a new document." ma:contentTypeScope="" ma:versionID="1f74bb98edc28091374bbc6334961465">
   <xsd:schema xmlns:xsd="http://www.w3.org/2001/XMLSchema" xmlns:xs="http://www.w3.org/2001/XMLSchema" xmlns:p="http://schemas.microsoft.com/office/2006/metadata/properties" xmlns:ns2="609121fb-01d0-49fe-b3fd-9a3e3a0646a9" xmlns:ns3="c8fb4810-c3cf-44db-bdf0-77d94482a97a" targetNamespace="http://schemas.microsoft.com/office/2006/metadata/properties" ma:root="true" ma:fieldsID="a6f6063613ae5a1e9406fd437b4bafa6" ns2:_="" ns3:_="">
     <xsd:import namespace="609121fb-01d0-49fe-b3fd-9a3e3a0646a9"/>
@@ -42906,125 +42843,32 @@
 </ct:contentTypeSchema>
 </file>
 
-<file path=customXml/item2.xml><?xml version="1.0" encoding="utf-8"?>
-<p:properties xmlns:p="http://schemas.microsoft.com/office/2006/metadata/properties" xmlns:xsi="http://www.w3.org/2001/XMLSchema-instance" xmlns:pc="http://schemas.microsoft.com/office/infopath/2007/PartnerControls">
-  <documentManagement>
-    <SharedWithUsers xmlns="c8fb4810-c3cf-44db-bdf0-77d94482a97a">
-      <UserInfo>
-        <DisplayName>Tatiana Kolentsova</DisplayName>
-        <AccountId>31</AccountId>
-        <AccountType/>
-      </UserInfo>
-      <UserInfo>
-        <DisplayName>Nina Skazobova</DisplayName>
-        <AccountId>32</AccountId>
-        <AccountType/>
-      </UserInfo>
-      <UserInfo>
-        <DisplayName>Mikhail Manyagin</DisplayName>
-        <AccountId>33</AccountId>
-        <AccountType/>
-      </UserInfo>
-      <UserInfo>
-        <DisplayName>Anton Belousov</DisplayName>
-        <AccountId>17</AccountId>
-        <AccountType/>
-      </UserInfo>
-      <UserInfo>
-        <DisplayName>Vladimir Mitiurin</DisplayName>
-        <AccountId>14</AccountId>
-        <AccountType/>
-      </UserInfo>
-      <UserInfo>
-        <DisplayName>Andrey Potapov</DisplayName>
-        <AccountId>6</AccountId>
-        <AccountType/>
-      </UserInfo>
-      <UserInfo>
-        <DisplayName>Elisey Astakhov</DisplayName>
-        <AccountId>12</AccountId>
-        <AccountType/>
-      </UserInfo>
-      <UserInfo>
-        <DisplayName>Aleksey Gretsov</DisplayName>
-        <AccountId>15</AccountId>
-        <AccountType/>
-      </UserInfo>
-      <UserInfo>
-        <DisplayName>Nikolai Golyshkin</DisplayName>
-        <AccountId>13</AccountId>
-        <AccountType/>
-      </UserInfo>
-      <UserInfo>
-        <DisplayName>Sergei Boikov</DisplayName>
-        <AccountId>26</AccountId>
-        <AccountType/>
-      </UserInfo>
-      <UserInfo>
-        <DisplayName>Marina Portenko</DisplayName>
-        <AccountId>21</AccountId>
-        <AccountType/>
-      </UserInfo>
-      <UserInfo>
-        <DisplayName>Viktor Isaikin</DisplayName>
-        <AccountId>28</AccountId>
-        <AccountType/>
-      </UserInfo>
-      <UserInfo>
-        <DisplayName>Gaiane Aleksanian</DisplayName>
-        <AccountId>16</AccountId>
-        <AccountType/>
-      </UserInfo>
-      <UserInfo>
-        <DisplayName>Igor Ilin</DisplayName>
-        <AccountId>24</AccountId>
-        <AccountType/>
-      </UserInfo>
-      <UserInfo>
-        <DisplayName>Nikita Ulitin</DisplayName>
-        <AccountId>18</AccountId>
-        <AccountType/>
-      </UserInfo>
-      <UserInfo>
-        <DisplayName>Denis Suvolokin</DisplayName>
-        <AccountId>19</AccountId>
-        <AccountType/>
-      </UserInfo>
-      <UserInfo>
-        <DisplayName>Bogdan Gavrikov</DisplayName>
-        <AccountId>22</AccountId>
-        <AccountType/>
-      </UserInfo>
-      <UserInfo>
-        <DisplayName>Georgii Lobanov</DisplayName>
-        <AccountId>23</AccountId>
-        <AccountType/>
-      </UserInfo>
-      <UserInfo>
-        <DisplayName>Anna Sedina</DisplayName>
-        <AccountId>20</AccountId>
-        <AccountType/>
-      </UserInfo>
-      <UserInfo>
-        <DisplayName>Pavel Andreev</DisplayName>
-        <AccountId>25</AccountId>
-        <AccountType/>
-      </UserInfo>
-    </SharedWithUsers>
-  </documentManagement>
-</p:properties>
+<file path=customXml/itemProps1.xml><?xml version="1.0" encoding="utf-8"?>
+<ds:datastoreItem xmlns:ds="http://schemas.openxmlformats.org/officeDocument/2006/customXml" ds:itemID="{D5E3C081-4081-47AD-A9A6-9F18F525DA1D}">
+  <ds:schemaRefs>
+    <ds:schemaRef ds:uri="609121fb-01d0-49fe-b3fd-9a3e3a0646a9"/>
+    <ds:schemaRef ds:uri="c8fb4810-c3cf-44db-bdf0-77d94482a97a"/>
+    <ds:schemaRef ds:uri="http://purl.org/dc/dcmitype/"/>
+    <ds:schemaRef ds:uri="http://purl.org/dc/elements/1.1/"/>
+    <ds:schemaRef ds:uri="http://purl.org/dc/terms/"/>
+    <ds:schemaRef ds:uri="http://schemas.microsoft.com/office/2006/documentManagement/types"/>
+    <ds:schemaRef ds:uri="http://schemas.microsoft.com/office/2006/metadata/properties"/>
+    <ds:schemaRef ds:uri="http://schemas.microsoft.com/office/infopath/2007/PartnerControls"/>
+    <ds:schemaRef ds:uri="http://schemas.openxmlformats.org/package/2006/metadata/core-properties"/>
+    <ds:schemaRef ds:uri="http://www.w3.org/XML/1998/namespace"/>
+  </ds:schemaRefs>
+</ds:datastoreItem>
 </file>
 
-<file path=customXml/item3.xml><?xml version="1.0" encoding="utf-8"?>
-<?mso-contentType ?>
-<FormTemplates xmlns="http://schemas.microsoft.com/sharepoint/v3/contenttype/forms">
-  <Display>DocumentLibraryForm</Display>
-  <Edit>DocumentLibraryForm</Edit>
-  <New>DocumentLibraryForm</New>
-</FormTemplates>
+<file path=customXml/itemProps2.xml><?xml version="1.0" encoding="utf-8"?>
+<ds:datastoreItem xmlns:ds="http://schemas.openxmlformats.org/officeDocument/2006/customXml" ds:itemID="{14883F0F-DE57-4ECA-B9BB-F22E8C5B5D82}">
+  <ds:schemaRefs>
+    <ds:schemaRef ds:uri="http://schemas.microsoft.com/sharepoint/v3/contenttype/forms"/>
+  </ds:schemaRefs>
+</ds:datastoreItem>
 </file>
 
-<file path=customXml/itemProps1.xml><?xml version="1.0" encoding="utf-8"?>
+<file path=customXml/itemProps3.xml><?xml version="1.0" encoding="utf-8"?>
 <ds:datastoreItem xmlns:ds="http://schemas.openxmlformats.org/officeDocument/2006/customXml" ds:itemID="{89FDD6AF-F862-42A0-AAC6-0480CB0D4076}">
   <ds:schemaRefs>
     <ds:schemaRef ds:uri="609121fb-01d0-49fe-b3fd-9a3e3a0646a9"/>
@@ -43041,29 +42885,4 @@
     <ds:schemaRef ds:uri="http://www.w3.org/2001/XMLSchema"/>
   </ds:schemaRefs>
 </ds:datastoreItem>
-</file>
-
-<file path=customXml/itemProps2.xml><?xml version="1.0" encoding="utf-8"?>
-<ds:datastoreItem xmlns:ds="http://schemas.openxmlformats.org/officeDocument/2006/customXml" ds:itemID="{D5E3C081-4081-47AD-A9A6-9F18F525DA1D}">
-  <ds:schemaRefs>
-    <ds:schemaRef ds:uri="609121fb-01d0-49fe-b3fd-9a3e3a0646a9"/>
-    <ds:schemaRef ds:uri="c8fb4810-c3cf-44db-bdf0-77d94482a97a"/>
-    <ds:schemaRef ds:uri="http://purl.org/dc/dcmitype/"/>
-    <ds:schemaRef ds:uri="http://purl.org/dc/elements/1.1/"/>
-    <ds:schemaRef ds:uri="http://purl.org/dc/terms/"/>
-    <ds:schemaRef ds:uri="http://schemas.microsoft.com/office/2006/documentManagement/types"/>
-    <ds:schemaRef ds:uri="http://schemas.microsoft.com/office/2006/metadata/properties"/>
-    <ds:schemaRef ds:uri="http://schemas.microsoft.com/office/infopath/2007/PartnerControls"/>
-    <ds:schemaRef ds:uri="http://schemas.openxmlformats.org/package/2006/metadata/core-properties"/>
-    <ds:schemaRef ds:uri="http://www.w3.org/XML/1998/namespace"/>
-  </ds:schemaRefs>
-</ds:datastoreItem>
-</file>
-
-<file path=customXml/itemProps3.xml><?xml version="1.0" encoding="utf-8"?>
-<ds:datastoreItem xmlns:ds="http://schemas.openxmlformats.org/officeDocument/2006/customXml" ds:itemID="{14883F0F-DE57-4ECA-B9BB-F22E8C5B5D82}">
-  <ds:schemaRefs>
-    <ds:schemaRef ds:uri="http://schemas.microsoft.com/sharepoint/v3/contenttype/forms"/>
-  </ds:schemaRefs>
-</ds:datastoreItem>
 </file>